--- a/Teaching/Courses/W24/CIS500/LectureNotes/cis500_intro.pptx
+++ b/Teaching/Courses/W24/CIS500/LectureNotes/cis500_intro.pptx
@@ -275,7 +275,7 @@
           <a:p>
             <a:fld id="{E1D8FA4E-4CD5-0B4E-B010-1DCF501BAA5F}" type="datetimeFigureOut">
               <a:rPr lang="en-US" smtClean="0"/>
-              <a:t>12/18/23</a:t>
+              <a:t>1/8/24</a:t>
             </a:fld>
             <a:endParaRPr lang="en-US"/>
           </a:p>
@@ -473,7 +473,7 @@
           <a:p>
             <a:fld id="{E1D8FA4E-4CD5-0B4E-B010-1DCF501BAA5F}" type="datetimeFigureOut">
               <a:rPr lang="en-US" smtClean="0"/>
-              <a:t>12/18/23</a:t>
+              <a:t>1/8/24</a:t>
             </a:fld>
             <a:endParaRPr lang="en-US"/>
           </a:p>
@@ -681,7 +681,7 @@
           <a:p>
             <a:fld id="{E1D8FA4E-4CD5-0B4E-B010-1DCF501BAA5F}" type="datetimeFigureOut">
               <a:rPr lang="en-US" smtClean="0"/>
-              <a:t>12/18/23</a:t>
+              <a:t>1/8/24</a:t>
             </a:fld>
             <a:endParaRPr lang="en-US"/>
           </a:p>
@@ -879,7 +879,7 @@
           <a:p>
             <a:fld id="{E1D8FA4E-4CD5-0B4E-B010-1DCF501BAA5F}" type="datetimeFigureOut">
               <a:rPr lang="en-US" smtClean="0"/>
-              <a:t>12/18/23</a:t>
+              <a:t>1/8/24</a:t>
             </a:fld>
             <a:endParaRPr lang="en-US"/>
           </a:p>
@@ -1154,7 +1154,7 @@
           <a:p>
             <a:fld id="{E1D8FA4E-4CD5-0B4E-B010-1DCF501BAA5F}" type="datetimeFigureOut">
               <a:rPr lang="en-US" smtClean="0"/>
-              <a:t>12/18/23</a:t>
+              <a:t>1/8/24</a:t>
             </a:fld>
             <a:endParaRPr lang="en-US"/>
           </a:p>
@@ -1419,7 +1419,7 @@
           <a:p>
             <a:fld id="{E1D8FA4E-4CD5-0B4E-B010-1DCF501BAA5F}" type="datetimeFigureOut">
               <a:rPr lang="en-US" smtClean="0"/>
-              <a:t>12/18/23</a:t>
+              <a:t>1/8/24</a:t>
             </a:fld>
             <a:endParaRPr lang="en-US"/>
           </a:p>
@@ -1831,7 +1831,7 @@
           <a:p>
             <a:fld id="{E1D8FA4E-4CD5-0B4E-B010-1DCF501BAA5F}" type="datetimeFigureOut">
               <a:rPr lang="en-US" smtClean="0"/>
-              <a:t>12/18/23</a:t>
+              <a:t>1/8/24</a:t>
             </a:fld>
             <a:endParaRPr lang="en-US"/>
           </a:p>
@@ -1972,7 +1972,7 @@
           <a:p>
             <a:fld id="{E1D8FA4E-4CD5-0B4E-B010-1DCF501BAA5F}" type="datetimeFigureOut">
               <a:rPr lang="en-US" smtClean="0"/>
-              <a:t>12/18/23</a:t>
+              <a:t>1/8/24</a:t>
             </a:fld>
             <a:endParaRPr lang="en-US"/>
           </a:p>
@@ -2085,7 +2085,7 @@
           <a:p>
             <a:fld id="{E1D8FA4E-4CD5-0B4E-B010-1DCF501BAA5F}" type="datetimeFigureOut">
               <a:rPr lang="en-US" smtClean="0"/>
-              <a:t>12/18/23</a:t>
+              <a:t>1/8/24</a:t>
             </a:fld>
             <a:endParaRPr lang="en-US"/>
           </a:p>
@@ -2396,7 +2396,7 @@
           <a:p>
             <a:fld id="{E1D8FA4E-4CD5-0B4E-B010-1DCF501BAA5F}" type="datetimeFigureOut">
               <a:rPr lang="en-US" smtClean="0"/>
-              <a:t>12/18/23</a:t>
+              <a:t>1/8/24</a:t>
             </a:fld>
             <a:endParaRPr lang="en-US"/>
           </a:p>
@@ -2684,7 +2684,7 @@
           <a:p>
             <a:fld id="{E1D8FA4E-4CD5-0B4E-B010-1DCF501BAA5F}" type="datetimeFigureOut">
               <a:rPr lang="en-US" smtClean="0"/>
-              <a:t>12/18/23</a:t>
+              <a:t>1/8/24</a:t>
             </a:fld>
             <a:endParaRPr lang="en-US"/>
           </a:p>
@@ -2925,7 +2925,7 @@
           <a:p>
             <a:fld id="{E1D8FA4E-4CD5-0B4E-B010-1DCF501BAA5F}" type="datetimeFigureOut">
               <a:rPr lang="en-US" smtClean="0"/>
-              <a:t>12/18/23</a:t>
+              <a:t>1/8/24</a:t>
             </a:fld>
             <a:endParaRPr lang="en-US"/>
           </a:p>
@@ -3567,7 +3567,7 @@
             <a:pPr lvl="1"/>
             <a:r>
               <a:rPr lang="en-US" dirty="0"/>
-              <a:t>You are expected to resubmit a project until you earn an E or an M</a:t>
+              <a:t>You are expected to resubmit assignments until you earn an E or an M</a:t>
             </a:r>
           </a:p>
           <a:p>
@@ -3582,7 +3582,7 @@
             <a:pPr lvl="1"/>
             <a:r>
               <a:rPr lang="en-US" dirty="0"/>
-              <a:t>You will have multiple opportunities to successfully complete quiz questions on a given topic</a:t>
+              <a:t>You will have four opportunities to successfully complete quiz questions on a given topic</a:t>
             </a:r>
           </a:p>
           <a:p>
@@ -3666,7 +3666,7 @@
           <a:lstStyle/>
           <a:p>
             <a:r>
-              <a:rPr lang="en-US"/>
+              <a:rPr lang="en-US" dirty="0"/>
               <a:t>END</a:t>
             </a:r>
           </a:p>
@@ -4853,7 +4853,7 @@
             <a:pPr lvl="1"/>
             <a:r>
               <a:rPr lang="en-US" dirty="0"/>
-              <a:t>We will cover more material at a faster pace</a:t>
+              <a:t>We will cover more material at a faster pace.</a:t>
             </a:r>
           </a:p>
           <a:p>
@@ -4875,6 +4875,333 @@
   <p:clrMapOvr>
     <a:masterClrMapping/>
   </p:clrMapOvr>
+  <p:timing>
+    <p:tnLst>
+      <p:par>
+        <p:cTn id="1" dur="indefinite" restart="never" nodeType="tmRoot">
+          <p:childTnLst>
+            <p:seq concurrent="1" nextAc="seek">
+              <p:cTn id="2" dur="indefinite" nodeType="mainSeq">
+                <p:childTnLst>
+                  <p:par>
+                    <p:cTn id="3" fill="hold">
+                      <p:stCondLst>
+                        <p:cond delay="indefinite"/>
+                      </p:stCondLst>
+                      <p:childTnLst>
+                        <p:par>
+                          <p:cTn id="4" fill="hold">
+                            <p:stCondLst>
+                              <p:cond delay="0"/>
+                            </p:stCondLst>
+                            <p:childTnLst>
+                              <p:par>
+                                <p:cTn id="5" presetID="1" presetClass="entr" presetSubtype="0" fill="hold" grpId="0" nodeType="clickEffect">
+                                  <p:stCondLst>
+                                    <p:cond delay="0"/>
+                                  </p:stCondLst>
+                                  <p:childTnLst>
+                                    <p:set>
+                                      <p:cBhvr>
+                                        <p:cTn id="6" dur="1" fill="hold">
+                                          <p:stCondLst>
+                                            <p:cond delay="0"/>
+                                          </p:stCondLst>
+                                        </p:cTn>
+                                        <p:tgtEl>
+                                          <p:spTgt spid="3">
+                                            <p:txEl>
+                                              <p:pRg st="0" end="0"/>
+                                            </p:txEl>
+                                          </p:spTgt>
+                                        </p:tgtEl>
+                                        <p:attrNameLst>
+                                          <p:attrName>style.visibility</p:attrName>
+                                        </p:attrNameLst>
+                                      </p:cBhvr>
+                                      <p:to>
+                                        <p:strVal val="visible"/>
+                                      </p:to>
+                                    </p:set>
+                                  </p:childTnLst>
+                                </p:cTn>
+                              </p:par>
+                            </p:childTnLst>
+                          </p:cTn>
+                        </p:par>
+                      </p:childTnLst>
+                    </p:cTn>
+                  </p:par>
+                  <p:par>
+                    <p:cTn id="7" fill="hold">
+                      <p:stCondLst>
+                        <p:cond delay="indefinite"/>
+                      </p:stCondLst>
+                      <p:childTnLst>
+                        <p:par>
+                          <p:cTn id="8" fill="hold">
+                            <p:stCondLst>
+                              <p:cond delay="0"/>
+                            </p:stCondLst>
+                            <p:childTnLst>
+                              <p:par>
+                                <p:cTn id="9" presetID="1" presetClass="entr" presetSubtype="0" fill="hold" grpId="0" nodeType="clickEffect">
+                                  <p:stCondLst>
+                                    <p:cond delay="0"/>
+                                  </p:stCondLst>
+                                  <p:childTnLst>
+                                    <p:set>
+                                      <p:cBhvr>
+                                        <p:cTn id="10" dur="1" fill="hold">
+                                          <p:stCondLst>
+                                            <p:cond delay="0"/>
+                                          </p:stCondLst>
+                                        </p:cTn>
+                                        <p:tgtEl>
+                                          <p:spTgt spid="3">
+                                            <p:txEl>
+                                              <p:pRg st="1" end="1"/>
+                                            </p:txEl>
+                                          </p:spTgt>
+                                        </p:tgtEl>
+                                        <p:attrNameLst>
+                                          <p:attrName>style.visibility</p:attrName>
+                                        </p:attrNameLst>
+                                      </p:cBhvr>
+                                      <p:to>
+                                        <p:strVal val="visible"/>
+                                      </p:to>
+                                    </p:set>
+                                  </p:childTnLst>
+                                </p:cTn>
+                              </p:par>
+                            </p:childTnLst>
+                          </p:cTn>
+                        </p:par>
+                      </p:childTnLst>
+                    </p:cTn>
+                  </p:par>
+                  <p:par>
+                    <p:cTn id="11" fill="hold">
+                      <p:stCondLst>
+                        <p:cond delay="indefinite"/>
+                      </p:stCondLst>
+                      <p:childTnLst>
+                        <p:par>
+                          <p:cTn id="12" fill="hold">
+                            <p:stCondLst>
+                              <p:cond delay="0"/>
+                            </p:stCondLst>
+                            <p:childTnLst>
+                              <p:par>
+                                <p:cTn id="13" presetID="1" presetClass="entr" presetSubtype="0" fill="hold" grpId="0" nodeType="clickEffect">
+                                  <p:stCondLst>
+                                    <p:cond delay="0"/>
+                                  </p:stCondLst>
+                                  <p:childTnLst>
+                                    <p:set>
+                                      <p:cBhvr>
+                                        <p:cTn id="14" dur="1" fill="hold">
+                                          <p:stCondLst>
+                                            <p:cond delay="0"/>
+                                          </p:stCondLst>
+                                        </p:cTn>
+                                        <p:tgtEl>
+                                          <p:spTgt spid="3">
+                                            <p:txEl>
+                                              <p:pRg st="2" end="2"/>
+                                            </p:txEl>
+                                          </p:spTgt>
+                                        </p:tgtEl>
+                                        <p:attrNameLst>
+                                          <p:attrName>style.visibility</p:attrName>
+                                        </p:attrNameLst>
+                                      </p:cBhvr>
+                                      <p:to>
+                                        <p:strVal val="visible"/>
+                                      </p:to>
+                                    </p:set>
+                                  </p:childTnLst>
+                                </p:cTn>
+                              </p:par>
+                            </p:childTnLst>
+                          </p:cTn>
+                        </p:par>
+                      </p:childTnLst>
+                    </p:cTn>
+                  </p:par>
+                  <p:par>
+                    <p:cTn id="15" fill="hold">
+                      <p:stCondLst>
+                        <p:cond delay="indefinite"/>
+                      </p:stCondLst>
+                      <p:childTnLst>
+                        <p:par>
+                          <p:cTn id="16" fill="hold">
+                            <p:stCondLst>
+                              <p:cond delay="0"/>
+                            </p:stCondLst>
+                            <p:childTnLst>
+                              <p:par>
+                                <p:cTn id="17" presetID="1" presetClass="entr" presetSubtype="0" fill="hold" grpId="0" nodeType="clickEffect">
+                                  <p:stCondLst>
+                                    <p:cond delay="0"/>
+                                  </p:stCondLst>
+                                  <p:childTnLst>
+                                    <p:set>
+                                      <p:cBhvr>
+                                        <p:cTn id="18" dur="1" fill="hold">
+                                          <p:stCondLst>
+                                            <p:cond delay="0"/>
+                                          </p:stCondLst>
+                                        </p:cTn>
+                                        <p:tgtEl>
+                                          <p:spTgt spid="3">
+                                            <p:txEl>
+                                              <p:pRg st="3" end="3"/>
+                                            </p:txEl>
+                                          </p:spTgt>
+                                        </p:tgtEl>
+                                        <p:attrNameLst>
+                                          <p:attrName>style.visibility</p:attrName>
+                                        </p:attrNameLst>
+                                      </p:cBhvr>
+                                      <p:to>
+                                        <p:strVal val="visible"/>
+                                      </p:to>
+                                    </p:set>
+                                  </p:childTnLst>
+                                </p:cTn>
+                              </p:par>
+                            </p:childTnLst>
+                          </p:cTn>
+                        </p:par>
+                      </p:childTnLst>
+                    </p:cTn>
+                  </p:par>
+                  <p:par>
+                    <p:cTn id="19" fill="hold">
+                      <p:stCondLst>
+                        <p:cond delay="indefinite"/>
+                      </p:stCondLst>
+                      <p:childTnLst>
+                        <p:par>
+                          <p:cTn id="20" fill="hold">
+                            <p:stCondLst>
+                              <p:cond delay="0"/>
+                            </p:stCondLst>
+                            <p:childTnLst>
+                              <p:par>
+                                <p:cTn id="21" presetID="1" presetClass="entr" presetSubtype="0" fill="hold" grpId="0" nodeType="clickEffect">
+                                  <p:stCondLst>
+                                    <p:cond delay="0"/>
+                                  </p:stCondLst>
+                                  <p:childTnLst>
+                                    <p:set>
+                                      <p:cBhvr>
+                                        <p:cTn id="22" dur="1" fill="hold">
+                                          <p:stCondLst>
+                                            <p:cond delay="0"/>
+                                          </p:stCondLst>
+                                        </p:cTn>
+                                        <p:tgtEl>
+                                          <p:spTgt spid="3">
+                                            <p:txEl>
+                                              <p:pRg st="4" end="4"/>
+                                            </p:txEl>
+                                          </p:spTgt>
+                                        </p:tgtEl>
+                                        <p:attrNameLst>
+                                          <p:attrName>style.visibility</p:attrName>
+                                        </p:attrNameLst>
+                                      </p:cBhvr>
+                                      <p:to>
+                                        <p:strVal val="visible"/>
+                                      </p:to>
+                                    </p:set>
+                                  </p:childTnLst>
+                                </p:cTn>
+                              </p:par>
+                            </p:childTnLst>
+                          </p:cTn>
+                        </p:par>
+                      </p:childTnLst>
+                    </p:cTn>
+                  </p:par>
+                  <p:par>
+                    <p:cTn id="23" fill="hold">
+                      <p:stCondLst>
+                        <p:cond delay="indefinite"/>
+                      </p:stCondLst>
+                      <p:childTnLst>
+                        <p:par>
+                          <p:cTn id="24" fill="hold">
+                            <p:stCondLst>
+                              <p:cond delay="0"/>
+                            </p:stCondLst>
+                            <p:childTnLst>
+                              <p:par>
+                                <p:cTn id="25" presetID="1" presetClass="entr" presetSubtype="0" fill="hold" grpId="0" nodeType="clickEffect">
+                                  <p:stCondLst>
+                                    <p:cond delay="0"/>
+                                  </p:stCondLst>
+                                  <p:childTnLst>
+                                    <p:set>
+                                      <p:cBhvr>
+                                        <p:cTn id="26" dur="1" fill="hold">
+                                          <p:stCondLst>
+                                            <p:cond delay="0"/>
+                                          </p:stCondLst>
+                                        </p:cTn>
+                                        <p:tgtEl>
+                                          <p:spTgt spid="3">
+                                            <p:txEl>
+                                              <p:pRg st="5" end="5"/>
+                                            </p:txEl>
+                                          </p:spTgt>
+                                        </p:tgtEl>
+                                        <p:attrNameLst>
+                                          <p:attrName>style.visibility</p:attrName>
+                                        </p:attrNameLst>
+                                      </p:cBhvr>
+                                      <p:to>
+                                        <p:strVal val="visible"/>
+                                      </p:to>
+                                    </p:set>
+                                  </p:childTnLst>
+                                </p:cTn>
+                              </p:par>
+                            </p:childTnLst>
+                          </p:cTn>
+                        </p:par>
+                      </p:childTnLst>
+                    </p:cTn>
+                  </p:par>
+                </p:childTnLst>
+              </p:cTn>
+              <p:prevCondLst>
+                <p:cond evt="onPrev" delay="0">
+                  <p:tgtEl>
+                    <p:sldTgt/>
+                  </p:tgtEl>
+                </p:cond>
+              </p:prevCondLst>
+              <p:nextCondLst>
+                <p:cond evt="onNext" delay="0">
+                  <p:tgtEl>
+                    <p:sldTgt/>
+                  </p:tgtEl>
+                </p:cond>
+              </p:nextCondLst>
+            </p:seq>
+          </p:childTnLst>
+        </p:cTn>
+      </p:par>
+    </p:tnLst>
+    <p:bldLst>
+      <p:bldP spid="3" grpId="0" uiExpand="1" build="p" bldLvl="2"/>
+    </p:bldLst>
+  </p:timing>
 </p:sld>
 </file>
 
@@ -4968,7 +5295,7 @@
             <a:pPr lvl="1"/>
             <a:r>
               <a:rPr lang="en-US" dirty="0"/>
-              <a:t>I will have very limited availability between 5:15 and 6:00 because I need time to eat.</a:t>
+              <a:t>I will have limited availability between 5:15 and 6:00 because I need time to eat.</a:t>
             </a:r>
           </a:p>
           <a:p>
@@ -5035,6 +5362,431 @@
   <p:clrMapOvr>
     <a:masterClrMapping/>
   </p:clrMapOvr>
+  <p:timing>
+    <p:tnLst>
+      <p:par>
+        <p:cTn id="1" dur="indefinite" restart="never" nodeType="tmRoot">
+          <p:childTnLst>
+            <p:seq concurrent="1" nextAc="seek">
+              <p:cTn id="2" dur="indefinite" nodeType="mainSeq">
+                <p:childTnLst>
+                  <p:par>
+                    <p:cTn id="3" fill="hold">
+                      <p:stCondLst>
+                        <p:cond delay="indefinite"/>
+                      </p:stCondLst>
+                      <p:childTnLst>
+                        <p:par>
+                          <p:cTn id="4" fill="hold">
+                            <p:stCondLst>
+                              <p:cond delay="0"/>
+                            </p:stCondLst>
+                            <p:childTnLst>
+                              <p:par>
+                                <p:cTn id="5" presetID="1" presetClass="entr" presetSubtype="0" fill="hold" grpId="0" nodeType="clickEffect">
+                                  <p:stCondLst>
+                                    <p:cond delay="0"/>
+                                  </p:stCondLst>
+                                  <p:childTnLst>
+                                    <p:set>
+                                      <p:cBhvr>
+                                        <p:cTn id="6" dur="1" fill="hold">
+                                          <p:stCondLst>
+                                            <p:cond delay="0"/>
+                                          </p:stCondLst>
+                                        </p:cTn>
+                                        <p:tgtEl>
+                                          <p:spTgt spid="3">
+                                            <p:txEl>
+                                              <p:pRg st="0" end="0"/>
+                                            </p:txEl>
+                                          </p:spTgt>
+                                        </p:tgtEl>
+                                        <p:attrNameLst>
+                                          <p:attrName>style.visibility</p:attrName>
+                                        </p:attrNameLst>
+                                      </p:cBhvr>
+                                      <p:to>
+                                        <p:strVal val="visible"/>
+                                      </p:to>
+                                    </p:set>
+                                  </p:childTnLst>
+                                </p:cTn>
+                              </p:par>
+                            </p:childTnLst>
+                          </p:cTn>
+                        </p:par>
+                      </p:childTnLst>
+                    </p:cTn>
+                  </p:par>
+                  <p:par>
+                    <p:cTn id="7" fill="hold">
+                      <p:stCondLst>
+                        <p:cond delay="indefinite"/>
+                      </p:stCondLst>
+                      <p:childTnLst>
+                        <p:par>
+                          <p:cTn id="8" fill="hold">
+                            <p:stCondLst>
+                              <p:cond delay="0"/>
+                            </p:stCondLst>
+                            <p:childTnLst>
+                              <p:par>
+                                <p:cTn id="9" presetID="1" presetClass="entr" presetSubtype="0" fill="hold" grpId="0" nodeType="clickEffect">
+                                  <p:stCondLst>
+                                    <p:cond delay="0"/>
+                                  </p:stCondLst>
+                                  <p:childTnLst>
+                                    <p:set>
+                                      <p:cBhvr>
+                                        <p:cTn id="10" dur="1" fill="hold">
+                                          <p:stCondLst>
+                                            <p:cond delay="0"/>
+                                          </p:stCondLst>
+                                        </p:cTn>
+                                        <p:tgtEl>
+                                          <p:spTgt spid="3">
+                                            <p:txEl>
+                                              <p:pRg st="1" end="1"/>
+                                            </p:txEl>
+                                          </p:spTgt>
+                                        </p:tgtEl>
+                                        <p:attrNameLst>
+                                          <p:attrName>style.visibility</p:attrName>
+                                        </p:attrNameLst>
+                                      </p:cBhvr>
+                                      <p:to>
+                                        <p:strVal val="visible"/>
+                                      </p:to>
+                                    </p:set>
+                                  </p:childTnLst>
+                                </p:cTn>
+                              </p:par>
+                            </p:childTnLst>
+                          </p:cTn>
+                        </p:par>
+                      </p:childTnLst>
+                    </p:cTn>
+                  </p:par>
+                  <p:par>
+                    <p:cTn id="11" fill="hold">
+                      <p:stCondLst>
+                        <p:cond delay="indefinite"/>
+                      </p:stCondLst>
+                      <p:childTnLst>
+                        <p:par>
+                          <p:cTn id="12" fill="hold">
+                            <p:stCondLst>
+                              <p:cond delay="0"/>
+                            </p:stCondLst>
+                            <p:childTnLst>
+                              <p:par>
+                                <p:cTn id="13" presetID="1" presetClass="entr" presetSubtype="0" fill="hold" grpId="0" nodeType="clickEffect">
+                                  <p:stCondLst>
+                                    <p:cond delay="0"/>
+                                  </p:stCondLst>
+                                  <p:childTnLst>
+                                    <p:set>
+                                      <p:cBhvr>
+                                        <p:cTn id="14" dur="1" fill="hold">
+                                          <p:stCondLst>
+                                            <p:cond delay="0"/>
+                                          </p:stCondLst>
+                                        </p:cTn>
+                                        <p:tgtEl>
+                                          <p:spTgt spid="3">
+                                            <p:txEl>
+                                              <p:pRg st="2" end="2"/>
+                                            </p:txEl>
+                                          </p:spTgt>
+                                        </p:tgtEl>
+                                        <p:attrNameLst>
+                                          <p:attrName>style.visibility</p:attrName>
+                                        </p:attrNameLst>
+                                      </p:cBhvr>
+                                      <p:to>
+                                        <p:strVal val="visible"/>
+                                      </p:to>
+                                    </p:set>
+                                  </p:childTnLst>
+                                </p:cTn>
+                              </p:par>
+                            </p:childTnLst>
+                          </p:cTn>
+                        </p:par>
+                      </p:childTnLst>
+                    </p:cTn>
+                  </p:par>
+                  <p:par>
+                    <p:cTn id="15" fill="hold">
+                      <p:stCondLst>
+                        <p:cond delay="indefinite"/>
+                      </p:stCondLst>
+                      <p:childTnLst>
+                        <p:par>
+                          <p:cTn id="16" fill="hold">
+                            <p:stCondLst>
+                              <p:cond delay="0"/>
+                            </p:stCondLst>
+                            <p:childTnLst>
+                              <p:par>
+                                <p:cTn id="17" presetID="1" presetClass="entr" presetSubtype="0" fill="hold" grpId="0" nodeType="clickEffect">
+                                  <p:stCondLst>
+                                    <p:cond delay="0"/>
+                                  </p:stCondLst>
+                                  <p:childTnLst>
+                                    <p:set>
+                                      <p:cBhvr>
+                                        <p:cTn id="18" dur="1" fill="hold">
+                                          <p:stCondLst>
+                                            <p:cond delay="0"/>
+                                          </p:stCondLst>
+                                        </p:cTn>
+                                        <p:tgtEl>
+                                          <p:spTgt spid="3">
+                                            <p:txEl>
+                                              <p:pRg st="3" end="3"/>
+                                            </p:txEl>
+                                          </p:spTgt>
+                                        </p:tgtEl>
+                                        <p:attrNameLst>
+                                          <p:attrName>style.visibility</p:attrName>
+                                        </p:attrNameLst>
+                                      </p:cBhvr>
+                                      <p:to>
+                                        <p:strVal val="visible"/>
+                                      </p:to>
+                                    </p:set>
+                                  </p:childTnLst>
+                                </p:cTn>
+                              </p:par>
+                            </p:childTnLst>
+                          </p:cTn>
+                        </p:par>
+                      </p:childTnLst>
+                    </p:cTn>
+                  </p:par>
+                  <p:par>
+                    <p:cTn id="19" fill="hold">
+                      <p:stCondLst>
+                        <p:cond delay="indefinite"/>
+                      </p:stCondLst>
+                      <p:childTnLst>
+                        <p:par>
+                          <p:cTn id="20" fill="hold">
+                            <p:stCondLst>
+                              <p:cond delay="0"/>
+                            </p:stCondLst>
+                            <p:childTnLst>
+                              <p:par>
+                                <p:cTn id="21" presetID="1" presetClass="entr" presetSubtype="0" fill="hold" grpId="0" nodeType="clickEffect">
+                                  <p:stCondLst>
+                                    <p:cond delay="0"/>
+                                  </p:stCondLst>
+                                  <p:childTnLst>
+                                    <p:set>
+                                      <p:cBhvr>
+                                        <p:cTn id="22" dur="1" fill="hold">
+                                          <p:stCondLst>
+                                            <p:cond delay="0"/>
+                                          </p:stCondLst>
+                                        </p:cTn>
+                                        <p:tgtEl>
+                                          <p:spTgt spid="3">
+                                            <p:txEl>
+                                              <p:pRg st="4" end="4"/>
+                                            </p:txEl>
+                                          </p:spTgt>
+                                        </p:tgtEl>
+                                        <p:attrNameLst>
+                                          <p:attrName>style.visibility</p:attrName>
+                                        </p:attrNameLst>
+                                      </p:cBhvr>
+                                      <p:to>
+                                        <p:strVal val="visible"/>
+                                      </p:to>
+                                    </p:set>
+                                  </p:childTnLst>
+                                </p:cTn>
+                              </p:par>
+                            </p:childTnLst>
+                          </p:cTn>
+                        </p:par>
+                      </p:childTnLst>
+                    </p:cTn>
+                  </p:par>
+                  <p:par>
+                    <p:cTn id="23" fill="hold">
+                      <p:stCondLst>
+                        <p:cond delay="indefinite"/>
+                      </p:stCondLst>
+                      <p:childTnLst>
+                        <p:par>
+                          <p:cTn id="24" fill="hold">
+                            <p:stCondLst>
+                              <p:cond delay="0"/>
+                            </p:stCondLst>
+                            <p:childTnLst>
+                              <p:par>
+                                <p:cTn id="25" presetID="1" presetClass="entr" presetSubtype="0" fill="hold" grpId="0" nodeType="clickEffect">
+                                  <p:stCondLst>
+                                    <p:cond delay="0"/>
+                                  </p:stCondLst>
+                                  <p:childTnLst>
+                                    <p:set>
+                                      <p:cBhvr>
+                                        <p:cTn id="26" dur="1" fill="hold">
+                                          <p:stCondLst>
+                                            <p:cond delay="0"/>
+                                          </p:stCondLst>
+                                        </p:cTn>
+                                        <p:tgtEl>
+                                          <p:spTgt spid="3">
+                                            <p:txEl>
+                                              <p:pRg st="5" end="5"/>
+                                            </p:txEl>
+                                          </p:spTgt>
+                                        </p:tgtEl>
+                                        <p:attrNameLst>
+                                          <p:attrName>style.visibility</p:attrName>
+                                        </p:attrNameLst>
+                                      </p:cBhvr>
+                                      <p:to>
+                                        <p:strVal val="visible"/>
+                                      </p:to>
+                                    </p:set>
+                                  </p:childTnLst>
+                                </p:cTn>
+                              </p:par>
+                            </p:childTnLst>
+                          </p:cTn>
+                        </p:par>
+                      </p:childTnLst>
+                    </p:cTn>
+                  </p:par>
+                  <p:par>
+                    <p:cTn id="27" fill="hold">
+                      <p:stCondLst>
+                        <p:cond delay="indefinite"/>
+                      </p:stCondLst>
+                      <p:childTnLst>
+                        <p:par>
+                          <p:cTn id="28" fill="hold">
+                            <p:stCondLst>
+                              <p:cond delay="0"/>
+                            </p:stCondLst>
+                            <p:childTnLst>
+                              <p:par>
+                                <p:cTn id="29" presetID="1" presetClass="entr" presetSubtype="0" fill="hold" grpId="0" nodeType="clickEffect">
+                                  <p:stCondLst>
+                                    <p:cond delay="0"/>
+                                  </p:stCondLst>
+                                  <p:childTnLst>
+                                    <p:set>
+                                      <p:cBhvr>
+                                        <p:cTn id="30" dur="1" fill="hold">
+                                          <p:stCondLst>
+                                            <p:cond delay="0"/>
+                                          </p:stCondLst>
+                                        </p:cTn>
+                                        <p:tgtEl>
+                                          <p:spTgt spid="3">
+                                            <p:txEl>
+                                              <p:pRg st="6" end="6"/>
+                                            </p:txEl>
+                                          </p:spTgt>
+                                        </p:tgtEl>
+                                        <p:attrNameLst>
+                                          <p:attrName>style.visibility</p:attrName>
+                                        </p:attrNameLst>
+                                      </p:cBhvr>
+                                      <p:to>
+                                        <p:strVal val="visible"/>
+                                      </p:to>
+                                    </p:set>
+                                  </p:childTnLst>
+                                </p:cTn>
+                              </p:par>
+                            </p:childTnLst>
+                          </p:cTn>
+                        </p:par>
+                      </p:childTnLst>
+                    </p:cTn>
+                  </p:par>
+                  <p:par>
+                    <p:cTn id="31" fill="hold">
+                      <p:stCondLst>
+                        <p:cond delay="indefinite"/>
+                      </p:stCondLst>
+                      <p:childTnLst>
+                        <p:par>
+                          <p:cTn id="32" fill="hold">
+                            <p:stCondLst>
+                              <p:cond delay="0"/>
+                            </p:stCondLst>
+                            <p:childTnLst>
+                              <p:par>
+                                <p:cTn id="33" presetID="1" presetClass="entr" presetSubtype="0" fill="hold" grpId="0" nodeType="clickEffect">
+                                  <p:stCondLst>
+                                    <p:cond delay="0"/>
+                                  </p:stCondLst>
+                                  <p:childTnLst>
+                                    <p:set>
+                                      <p:cBhvr>
+                                        <p:cTn id="34" dur="1" fill="hold">
+                                          <p:stCondLst>
+                                            <p:cond delay="0"/>
+                                          </p:stCondLst>
+                                        </p:cTn>
+                                        <p:tgtEl>
+                                          <p:spTgt spid="3">
+                                            <p:txEl>
+                                              <p:pRg st="7" end="7"/>
+                                            </p:txEl>
+                                          </p:spTgt>
+                                        </p:tgtEl>
+                                        <p:attrNameLst>
+                                          <p:attrName>style.visibility</p:attrName>
+                                        </p:attrNameLst>
+                                      </p:cBhvr>
+                                      <p:to>
+                                        <p:strVal val="visible"/>
+                                      </p:to>
+                                    </p:set>
+                                  </p:childTnLst>
+                                </p:cTn>
+                              </p:par>
+                            </p:childTnLst>
+                          </p:cTn>
+                        </p:par>
+                      </p:childTnLst>
+                    </p:cTn>
+                  </p:par>
+                </p:childTnLst>
+              </p:cTn>
+              <p:prevCondLst>
+                <p:cond evt="onPrev" delay="0">
+                  <p:tgtEl>
+                    <p:sldTgt/>
+                  </p:tgtEl>
+                </p:cond>
+              </p:prevCondLst>
+              <p:nextCondLst>
+                <p:cond evt="onNext" delay="0">
+                  <p:tgtEl>
+                    <p:sldTgt/>
+                  </p:tgtEl>
+                </p:cond>
+              </p:nextCondLst>
+            </p:seq>
+          </p:childTnLst>
+        </p:cTn>
+      </p:par>
+    </p:tnLst>
+    <p:bldLst>
+      <p:bldP spid="3" grpId="0" build="p" bldLvl="2"/>
+    </p:bldLst>
+  </p:timing>
 </p:sld>
 </file>
 
@@ -5106,38 +5858,38 @@
         </p:nvSpPr>
         <p:spPr>
           <a:xfrm>
-            <a:off x="838200" y="1379057"/>
-            <a:ext cx="10515600" cy="5223762"/>
+            <a:off x="470263" y="1379056"/>
+            <a:ext cx="11364685" cy="5191561"/>
           </a:xfrm>
         </p:spPr>
         <p:txBody>
           <a:bodyPr>
-            <a:normAutofit/>
+            <a:normAutofit lnSpcReduction="10000"/>
           </a:bodyPr>
           <a:lstStyle/>
           <a:p>
             <a:r>
-              <a:rPr lang="en-US" strike="sngStrike" dirty="0"/>
+              <a:rPr lang="en-US" sz="3200" strike="sngStrike" dirty="0"/>
               <a:t>Blackboard</a:t>
             </a:r>
           </a:p>
           <a:p>
             <a:pPr lvl="1"/>
             <a:r>
-              <a:rPr lang="en-US" dirty="0"/>
+              <a:rPr lang="en-US" sz="2800" dirty="0"/>
               <a:t>(I avoid using Blackboard.  There are much more efficient ways of doing the same thing)</a:t>
             </a:r>
           </a:p>
           <a:p>
             <a:r>
-              <a:rPr lang="en-US" dirty="0"/>
+              <a:rPr lang="en-US" sz="3200" dirty="0"/>
               <a:t>Course web page:</a:t>
             </a:r>
           </a:p>
           <a:p>
             <a:pPr lvl="1"/>
             <a:r>
-              <a:rPr lang="en-US" sz="2000" b="0" dirty="0">
+              <a:rPr lang="en-US" b="0" dirty="0">
                 <a:solidFill>
                   <a:srgbClr val="000000"/>
                 </a:solidFill>
@@ -5149,7 +5901,7 @@
               <a:t>https://kurmasgvsu.github.io/Teaching/Courses/</a:t>
             </a:r>
             <a:r>
-              <a:rPr lang="en-US" sz="2000" dirty="0">
+              <a:rPr lang="en-US" dirty="0">
                 <a:solidFill>
                   <a:srgbClr val="000000"/>
                 </a:solidFill>
@@ -5160,7 +5912,7 @@
               <a:t>W24</a:t>
             </a:r>
             <a:r>
-              <a:rPr lang="en-US" sz="2000" b="0" dirty="0">
+              <a:rPr lang="en-US" b="0" dirty="0">
                 <a:solidFill>
                   <a:srgbClr val="000000"/>
                 </a:solidFill>
@@ -5171,7 +5923,7 @@
               </a:rPr>
               <a:t>/CIS500/</a:t>
             </a:r>
-            <a:endParaRPr lang="en-US" sz="2000" b="0" dirty="0">
+            <a:endParaRPr lang="en-US" b="0" dirty="0">
               <a:solidFill>
                 <a:srgbClr val="000000"/>
               </a:solidFill>
@@ -5183,7 +5935,7 @@
           <a:p>
             <a:pPr lvl="1"/>
             <a:r>
-              <a:rPr lang="en-US" sz="2000" dirty="0">
+              <a:rPr lang="en-US" dirty="0">
                 <a:solidFill>
                   <a:srgbClr val="000000"/>
                 </a:solidFill>
@@ -5195,18 +5947,36 @@
           <a:p>
             <a:pPr lvl="1"/>
             <a:r>
-              <a:rPr lang="en-US" sz="2000" dirty="0">
+              <a:rPr lang="en-US" dirty="0">
                 <a:solidFill>
                   <a:srgbClr val="000000"/>
                 </a:solidFill>
                 <a:cs typeface="Courier New" panose="02070309020205020404" pitchFamily="49" charset="0"/>
               </a:rPr>
-              <a:t>Assignments, readings, etc. will be listed on the timeline.</a:t>
-            </a:r>
-          </a:p>
-          <a:p>
-            <a:r>
-              <a:rPr lang="en-US" sz="2400" dirty="0">
+              <a:t>Assignments, readings, etc. will be listed on the </a:t>
+            </a:r>
+            <a:r>
+              <a:rPr lang="en-US" b="1" i="1" u="sng" dirty="0">
+                <a:solidFill>
+                  <a:srgbClr val="000000"/>
+                </a:solidFill>
+                <a:cs typeface="Courier New" panose="02070309020205020404" pitchFamily="49" charset="0"/>
+              </a:rPr>
+              <a:t>timeline</a:t>
+            </a:r>
+            <a:r>
+              <a:rPr lang="en-US" dirty="0">
+                <a:solidFill>
+                  <a:srgbClr val="000000"/>
+                </a:solidFill>
+                <a:cs typeface="Courier New" panose="02070309020205020404" pitchFamily="49" charset="0"/>
+              </a:rPr>
+              <a:t>.</a:t>
+            </a:r>
+          </a:p>
+          <a:p>
+            <a:r>
+              <a:rPr lang="en-US" dirty="0">
                 <a:solidFill>
                   <a:srgbClr val="000000"/>
                 </a:solidFill>
@@ -5218,7 +5988,7 @@
           <a:p>
             <a:pPr lvl="1"/>
             <a:r>
-              <a:rPr lang="en-US" sz="2000" dirty="0">
+              <a:rPr lang="en-US" dirty="0">
                 <a:solidFill>
                   <a:srgbClr val="000000"/>
                 </a:solidFill>
@@ -5228,7 +5998,7 @@
               <a:t>https://</a:t>
             </a:r>
             <a:r>
-              <a:rPr lang="en-US" sz="2000" dirty="0" err="1">
+              <a:rPr lang="en-US" dirty="0" err="1">
                 <a:solidFill>
                   <a:srgbClr val="000000"/>
                 </a:solidFill>
@@ -5237,7 +6007,7 @@
               </a:rPr>
               <a:t>piazza.com</a:t>
             </a:r>
-            <a:endParaRPr lang="en-US" sz="2000" dirty="0">
+            <a:endParaRPr lang="en-US" dirty="0">
               <a:solidFill>
                 <a:srgbClr val="000000"/>
               </a:solidFill>
@@ -5248,7 +6018,7 @@
           <a:p>
             <a:pPr lvl="1"/>
             <a:r>
-              <a:rPr lang="en-US" sz="2000" b="0" dirty="0">
+              <a:rPr lang="en-US" b="0" dirty="0">
                 <a:solidFill>
                   <a:srgbClr val="000000"/>
                 </a:solidFill>
@@ -5261,7 +6031,7 @@
           <a:p>
             <a:pPr lvl="1"/>
             <a:r>
-              <a:rPr lang="en-US" sz="2000" dirty="0">
+              <a:rPr lang="en-US" dirty="0">
                 <a:solidFill>
                   <a:srgbClr val="000000"/>
                 </a:solidFill>
@@ -5273,7 +6043,7 @@
           <a:p>
             <a:pPr lvl="2"/>
             <a:r>
-              <a:rPr lang="en-US" sz="1600" b="0" dirty="0">
+              <a:rPr lang="en-US" sz="1800" b="0" dirty="0">
                 <a:solidFill>
                   <a:srgbClr val="000000"/>
                 </a:solidFill>
@@ -5286,7 +6056,7 @@
           <a:p>
             <a:pPr lvl="2"/>
             <a:r>
-              <a:rPr lang="en-US" sz="1600" dirty="0">
+              <a:rPr lang="en-US" sz="1800" dirty="0">
                 <a:solidFill>
                   <a:srgbClr val="000000"/>
                 </a:solidFill>
@@ -5294,16 +6064,7 @@
               </a:rPr>
               <a:t>Other classmates can answer (helpful when I’m away from my computer)</a:t>
             </a:r>
-            <a:endParaRPr lang="en-US" sz="1600" b="0" dirty="0">
-              <a:solidFill>
-                <a:srgbClr val="000000"/>
-              </a:solidFill>
-              <a:effectLst/>
-              <a:cs typeface="Courier New" panose="02070309020205020404" pitchFamily="49" charset="0"/>
-            </a:endParaRPr>
-          </a:p>
-          <a:p>
-            <a:endParaRPr lang="en-US" dirty="0"/>
+            <a:endParaRPr lang="en-US" sz="2400" dirty="0"/>
           </a:p>
           <a:p>
             <a:pPr lvl="1"/>
@@ -5865,93 +6626,93 @@
         </p:spPr>
         <p:txBody>
           <a:bodyPr>
-            <a:normAutofit/>
+            <a:noAutofit/>
           </a:bodyPr>
           <a:lstStyle/>
           <a:p>
             <a:pPr lvl="1"/>
             <a:r>
-              <a:rPr lang="en-US" dirty="0" err="1"/>
+              <a:rPr lang="en-US" sz="2800" dirty="0" err="1"/>
               <a:t>PrairieLearn</a:t>
             </a:r>
-            <a:endParaRPr lang="en-US" dirty="0"/>
+            <a:endParaRPr lang="en-US" sz="2800" dirty="0"/>
           </a:p>
           <a:p>
             <a:pPr lvl="2"/>
             <a:r>
-              <a:rPr lang="en-US" dirty="0">
+              <a:rPr lang="en-US" sz="2400" dirty="0">
                 <a:hlinkClick r:id="rId2"/>
               </a:rPr>
               <a:t>https://us.prairielearn.com/</a:t>
             </a:r>
-            <a:endParaRPr lang="en-US" dirty="0"/>
+            <a:endParaRPr lang="en-US" sz="2400" dirty="0"/>
           </a:p>
           <a:p>
             <a:pPr lvl="2"/>
             <a:r>
-              <a:rPr lang="en-US" dirty="0"/>
+              <a:rPr lang="en-US" sz="2400" dirty="0"/>
               <a:t>Online assignment / testing platform</a:t>
             </a:r>
           </a:p>
           <a:p>
             <a:pPr lvl="2"/>
             <a:r>
-              <a:rPr lang="en-US" dirty="0"/>
+              <a:rPr lang="en-US" sz="2400" dirty="0"/>
               <a:t>Link to this course: </a:t>
             </a:r>
             <a:r>
-              <a:rPr lang="en-US" dirty="0">
+              <a:rPr lang="en-US" sz="2400" dirty="0">
                 <a:hlinkClick r:id="rId3"/>
               </a:rPr>
               <a:t>https://us.prairielearn.com/pl/course_instance/145814</a:t>
             </a:r>
-            <a:endParaRPr lang="en-US" dirty="0"/>
+            <a:endParaRPr lang="en-US" sz="2400" dirty="0"/>
           </a:p>
           <a:p>
             <a:pPr lvl="1"/>
             <a:r>
-              <a:rPr lang="en-US" dirty="0"/>
+              <a:rPr lang="en-US" sz="2800" dirty="0"/>
               <a:t>GitHub</a:t>
             </a:r>
           </a:p>
           <a:p>
             <a:pPr lvl="2"/>
             <a:r>
-              <a:rPr lang="en-US" dirty="0">
+              <a:rPr lang="en-US" sz="2400" dirty="0">
                 <a:hlinkClick r:id="rId4"/>
               </a:rPr>
               <a:t>https://github.com</a:t>
             </a:r>
             <a:r>
-              <a:rPr lang="en-US" dirty="0"/>
+              <a:rPr lang="en-US" sz="2400" dirty="0"/>
               <a:t>	</a:t>
             </a:r>
           </a:p>
           <a:p>
             <a:pPr lvl="2"/>
             <a:r>
-              <a:rPr lang="en-US" dirty="0"/>
+              <a:rPr lang="en-US" sz="2400" dirty="0"/>
               <a:t>Some assignments will be submitted by committing to a GitHub repo.</a:t>
             </a:r>
           </a:p>
           <a:p>
             <a:pPr lvl="2"/>
             <a:r>
-              <a:rPr lang="en-US" dirty="0"/>
+              <a:rPr lang="en-US" sz="2400" dirty="0"/>
               <a:t>Create a GitHub account if you don’t have one</a:t>
             </a:r>
           </a:p>
           <a:p>
             <a:pPr lvl="1"/>
             <a:r>
-              <a:rPr lang="en-US" dirty="0"/>
+              <a:rPr lang="en-US" sz="2800" dirty="0"/>
               <a:t>GitHub Classroom</a:t>
             </a:r>
           </a:p>
           <a:p>
             <a:pPr lvl="2"/>
             <a:r>
-              <a:rPr lang="en-US" dirty="0"/>
+              <a:rPr lang="en-US" sz="2400" dirty="0"/>
               <a:t>GitHub tool for easily creating a repo for a new assignment</a:t>
             </a:r>
           </a:p>
@@ -6457,7 +7218,7 @@
                 <a:latin typeface="Menlo" panose="020B0609030804020204" pitchFamily="49" charset="0"/>
                 <a:hlinkClick r:id="rId2"/>
               </a:rPr>
-              <a:t>https://runestone.academy/ns/books/published/fopp/index.html?mode=browsing</a:t>
+              <a:t>https://runestone.academy/ns/books/published/foppff/frontmatter-1.html?mode=browsing</a:t>
             </a:r>
             <a:endParaRPr lang="en-US" dirty="0"/>
           </a:p>
@@ -6471,7 +7232,25 @@
             <a:pPr lvl="1"/>
             <a:r>
               <a:rPr lang="en-US" dirty="0"/>
-              <a:t>Some of these may be required.</a:t>
+              <a:t>Most of these may be required.</a:t>
+            </a:r>
+          </a:p>
+          <a:p>
+            <a:pPr lvl="1"/>
+            <a:r>
+              <a:rPr lang="en-US" dirty="0"/>
+              <a:t>Join course </a:t>
+            </a:r>
+            <a:r>
+              <a:rPr lang="en-US" dirty="0">
+                <a:latin typeface="Courier New" panose="02070309020205020404" pitchFamily="49" charset="0"/>
+                <a:cs typeface="Courier New" panose="02070309020205020404" pitchFamily="49" charset="0"/>
+              </a:rPr>
+              <a:t>gvsu_cis500_w24 </a:t>
+            </a:r>
+            <a:r>
+              <a:rPr lang="en-US" dirty="0"/>
+              <a:t>so I can monitor your progress and award credit.</a:t>
             </a:r>
           </a:p>
           <a:p>
@@ -7250,155 +8029,6 @@
           <a:chExt cx="0" cy="0"/>
         </a:xfrm>
       </p:grpSpPr>
-      <p:sp>
-        <p:nvSpPr>
-          <p:cNvPr id="2" name="Title 1">
-            <a:extLst>
-              <a:ext uri="{FF2B5EF4-FFF2-40B4-BE49-F238E27FC236}">
-                <a16:creationId xmlns:a16="http://schemas.microsoft.com/office/drawing/2014/main" id="{ABEF57EB-680E-3BCF-2573-469D0F6CBA92}"/>
-              </a:ext>
-            </a:extLst>
-          </p:cNvPr>
-          <p:cNvSpPr>
-            <a:spLocks noGrp="1"/>
-          </p:cNvSpPr>
-          <p:nvPr>
-            <p:ph type="title"/>
-          </p:nvPr>
-        </p:nvSpPr>
-        <p:spPr/>
-        <p:txBody>
-          <a:bodyPr/>
-          <a:lstStyle/>
-          <a:p>
-            <a:r>
-              <a:rPr lang="en-US" dirty="0"/>
-              <a:t>Prohibited Resources	</a:t>
-            </a:r>
-          </a:p>
-        </p:txBody>
-      </p:sp>
-      <p:sp>
-        <p:nvSpPr>
-          <p:cNvPr id="3" name="Content Placeholder 2">
-            <a:extLst>
-              <a:ext uri="{FF2B5EF4-FFF2-40B4-BE49-F238E27FC236}">
-                <a16:creationId xmlns:a16="http://schemas.microsoft.com/office/drawing/2014/main" id="{804031EE-2BE9-37CB-EA04-87F7E7487EB8}"/>
-              </a:ext>
-            </a:extLst>
-          </p:cNvPr>
-          <p:cNvSpPr>
-            <a:spLocks noGrp="1"/>
-          </p:cNvSpPr>
-          <p:nvPr>
-            <p:ph idx="1"/>
-          </p:nvPr>
-        </p:nvSpPr>
-        <p:spPr>
-          <a:xfrm>
-            <a:off x="619539" y="1539875"/>
-            <a:ext cx="7716387" cy="4667250"/>
-          </a:xfrm>
-        </p:spPr>
-        <p:txBody>
-          <a:bodyPr>
-            <a:normAutofit fontScale="92500" lnSpcReduction="10000"/>
-          </a:bodyPr>
-          <a:lstStyle/>
-          <a:p>
-            <a:r>
-              <a:rPr lang="en-US" dirty="0"/>
-              <a:t>Anything that generates custom code to answer your specific question</a:t>
-            </a:r>
-          </a:p>
-          <a:p>
-            <a:pPr lvl="1"/>
-            <a:r>
-              <a:rPr lang="en-US" dirty="0" err="1"/>
-              <a:t>ChatGPT</a:t>
-            </a:r>
-            <a:endParaRPr lang="en-US" dirty="0"/>
-          </a:p>
-          <a:p>
-            <a:pPr lvl="1"/>
-            <a:r>
-              <a:rPr lang="en-US" dirty="0"/>
-              <a:t>Copilot</a:t>
-            </a:r>
-          </a:p>
-          <a:p>
-            <a:pPr lvl="1"/>
-            <a:r>
-              <a:rPr lang="en-US" dirty="0" err="1"/>
-              <a:t>WeWork</a:t>
-            </a:r>
-            <a:r>
-              <a:rPr lang="en-US" dirty="0"/>
-              <a:t>, Chegg, </a:t>
-            </a:r>
-            <a:r>
-              <a:rPr lang="en-US" dirty="0" err="1"/>
-              <a:t>UpWork</a:t>
-            </a:r>
-            <a:r>
-              <a:rPr lang="en-US" dirty="0"/>
-              <a:t>, etc.</a:t>
-            </a:r>
-          </a:p>
-          <a:p>
-            <a:pPr lvl="1"/>
-            <a:r>
-              <a:rPr lang="en-US" dirty="0"/>
-              <a:t>Your classmates</a:t>
-            </a:r>
-          </a:p>
-          <a:p>
-            <a:pPr lvl="1"/>
-            <a:r>
-              <a:rPr lang="en-US" dirty="0"/>
-              <a:t>Your friends and family who already know how to program</a:t>
-            </a:r>
-          </a:p>
-          <a:p>
-            <a:r>
-              <a:rPr lang="en-US" dirty="0"/>
-              <a:t>Asking classmates, friends, family high-level general questions is encouraged.</a:t>
-            </a:r>
-          </a:p>
-          <a:p>
-            <a:r>
-              <a:rPr lang="en-US" dirty="0"/>
-              <a:t>Allowing classmates, friends, family, etc. to write code for you, or provide code to you is a violation of our Academic Honesty policy.</a:t>
-            </a:r>
-          </a:p>
-          <a:p>
-            <a:pPr lvl="1"/>
-            <a:r>
-              <a:rPr lang="en-US" sz="2200" dirty="0">
-                <a:hlinkClick r:id="rId2"/>
-              </a:rPr>
-              <a:t>https://</a:t>
-            </a:r>
-            <a:r>
-              <a:rPr lang="en-US" sz="2200" dirty="0" err="1">
-                <a:hlinkClick r:id="rId2"/>
-              </a:rPr>
-              <a:t>www.gvsu.edu</a:t>
-            </a:r>
-            <a:r>
-              <a:rPr lang="en-US" sz="2200" dirty="0">
-                <a:hlinkClick r:id="rId2"/>
-              </a:rPr>
-              <a:t>/computing/academic-honesty-30.htm</a:t>
-            </a:r>
-            <a:endParaRPr lang="en-US" sz="2200" dirty="0"/>
-          </a:p>
-          <a:p>
-            <a:pPr lvl="1"/>
-            <a:endParaRPr lang="en-US" dirty="0"/>
-          </a:p>
-        </p:txBody>
-      </p:sp>
       <p:pic>
         <p:nvPicPr>
           <p:cNvPr id="4" name="Content Placeholder 3">
@@ -7414,7 +8044,7 @@
           <p:nvPr/>
         </p:nvPicPr>
         <p:blipFill>
-          <a:blip r:embed="rId3"/>
+          <a:blip r:embed="rId2"/>
           <a:stretch>
             <a:fillRect/>
           </a:stretch>
@@ -7429,6 +8059,160 @@
           </a:prstGeom>
         </p:spPr>
       </p:pic>
+      <p:sp>
+        <p:nvSpPr>
+          <p:cNvPr id="2" name="Title 1">
+            <a:extLst>
+              <a:ext uri="{FF2B5EF4-FFF2-40B4-BE49-F238E27FC236}">
+                <a16:creationId xmlns:a16="http://schemas.microsoft.com/office/drawing/2014/main" id="{ABEF57EB-680E-3BCF-2573-469D0F6CBA92}"/>
+              </a:ext>
+            </a:extLst>
+          </p:cNvPr>
+          <p:cNvSpPr>
+            <a:spLocks noGrp="1"/>
+          </p:cNvSpPr>
+          <p:nvPr>
+            <p:ph type="title"/>
+          </p:nvPr>
+        </p:nvSpPr>
+        <p:spPr>
+          <a:xfrm>
+            <a:off x="619539" y="354367"/>
+            <a:ext cx="10515600" cy="1325563"/>
+          </a:xfrm>
+        </p:spPr>
+        <p:txBody>
+          <a:bodyPr/>
+          <a:lstStyle/>
+          <a:p>
+            <a:r>
+              <a:rPr lang="en-US" dirty="0"/>
+              <a:t>Prohibited Resources	</a:t>
+            </a:r>
+          </a:p>
+        </p:txBody>
+      </p:sp>
+      <p:sp>
+        <p:nvSpPr>
+          <p:cNvPr id="3" name="Content Placeholder 2">
+            <a:extLst>
+              <a:ext uri="{FF2B5EF4-FFF2-40B4-BE49-F238E27FC236}">
+                <a16:creationId xmlns:a16="http://schemas.microsoft.com/office/drawing/2014/main" id="{804031EE-2BE9-37CB-EA04-87F7E7487EB8}"/>
+              </a:ext>
+            </a:extLst>
+          </p:cNvPr>
+          <p:cNvSpPr>
+            <a:spLocks noGrp="1"/>
+          </p:cNvSpPr>
+          <p:nvPr>
+            <p:ph idx="1"/>
+          </p:nvPr>
+        </p:nvSpPr>
+        <p:spPr>
+          <a:xfrm>
+            <a:off x="619539" y="1539874"/>
+            <a:ext cx="8051125" cy="5054563"/>
+          </a:xfrm>
+        </p:spPr>
+        <p:txBody>
+          <a:bodyPr>
+            <a:normAutofit fontScale="92500" lnSpcReduction="20000"/>
+          </a:bodyPr>
+          <a:lstStyle/>
+          <a:p>
+            <a:r>
+              <a:rPr lang="en-US" dirty="0"/>
+              <a:t>Anything that generates custom code to answer your specific question</a:t>
+            </a:r>
+          </a:p>
+          <a:p>
+            <a:pPr lvl="1"/>
+            <a:r>
+              <a:rPr lang="en-US" dirty="0" err="1"/>
+              <a:t>ChatGPT</a:t>
+            </a:r>
+            <a:endParaRPr lang="en-US" dirty="0"/>
+          </a:p>
+          <a:p>
+            <a:pPr lvl="1"/>
+            <a:r>
+              <a:rPr lang="en-US" dirty="0"/>
+              <a:t>Copilot</a:t>
+            </a:r>
+          </a:p>
+          <a:p>
+            <a:pPr lvl="1"/>
+            <a:r>
+              <a:rPr lang="en-US" dirty="0" err="1"/>
+              <a:t>WeWork</a:t>
+            </a:r>
+            <a:r>
+              <a:rPr lang="en-US" dirty="0"/>
+              <a:t>, Chegg, </a:t>
+            </a:r>
+            <a:r>
+              <a:rPr lang="en-US" dirty="0" err="1"/>
+              <a:t>UpWork</a:t>
+            </a:r>
+            <a:r>
+              <a:rPr lang="en-US" dirty="0"/>
+              <a:t>, etc.</a:t>
+            </a:r>
+          </a:p>
+          <a:p>
+            <a:pPr lvl="1"/>
+            <a:r>
+              <a:rPr lang="en-US" dirty="0"/>
+              <a:t>Your classmates</a:t>
+            </a:r>
+          </a:p>
+          <a:p>
+            <a:pPr lvl="1"/>
+            <a:r>
+              <a:rPr lang="en-US" dirty="0"/>
+              <a:t>Your friends and family who already know how to program</a:t>
+            </a:r>
+          </a:p>
+          <a:p>
+            <a:r>
+              <a:rPr lang="en-US" dirty="0"/>
+              <a:t>Asking classmates, friends, family high-level general questions is encouraged.</a:t>
+            </a:r>
+          </a:p>
+          <a:p>
+            <a:r>
+              <a:rPr lang="en-US" dirty="0"/>
+              <a:t>Allowing classmates, friends, family, etc. to write code for you, or provide code to you is a violation of our Academic Honesty policy.</a:t>
+            </a:r>
+          </a:p>
+          <a:p>
+            <a:pPr lvl="1"/>
+            <a:r>
+              <a:rPr lang="en-US" sz="2200" dirty="0">
+                <a:hlinkClick r:id="rId3"/>
+              </a:rPr>
+              <a:t>https://www.gvsu.edu/computing/academic-honesty-30.htm</a:t>
+            </a:r>
+            <a:endParaRPr lang="en-US" sz="2200" dirty="0"/>
+          </a:p>
+          <a:p>
+            <a:r>
+              <a:rPr lang="en-US" sz="2600" dirty="0"/>
+              <a:t>Exception: You may work on In-Class exercises in teams of two</a:t>
+            </a:r>
+          </a:p>
+          <a:p>
+            <a:pPr marL="457200" lvl="1" indent="0">
+              <a:buNone/>
+            </a:pPr>
+            <a:endParaRPr lang="en-US" sz="2200" dirty="0"/>
+          </a:p>
+          <a:p>
+            <a:pPr lvl="1"/>
+            <a:endParaRPr lang="en-US" dirty="0"/>
+          </a:p>
+        </p:txBody>
+      </p:sp>
     </p:spTree>
     <p:extLst>
       <p:ext uri="{BB962C8B-B14F-4D97-AF65-F5344CB8AC3E}">

--- a/Teaching/Courses/W24/CIS500/LectureNotes/cis500_intro.pptx
+++ b/Teaching/Courses/W24/CIS500/LectureNotes/cis500_intro.pptx
@@ -4,6 +4,9 @@
   <p:sldMasterIdLst>
     <p:sldMasterId id="2147483648" r:id="rId1"/>
   </p:sldMasterIdLst>
+  <p:notesMasterIdLst>
+    <p:notesMasterId r:id="rId19"/>
+  </p:notesMasterIdLst>
   <p:sldIdLst>
     <p:sldId id="256" r:id="rId2"/>
     <p:sldId id="258" r:id="rId3"/>
@@ -126,6 +129,439 @@
     </p:ext>
   </p:extLst>
 </p:presentation>
+</file>
+
+<file path=ppt/notesMasters/notesMaster1.xml><?xml version="1.0" encoding="utf-8"?>
+<p:notesMaster xmlns:a="http://schemas.openxmlformats.org/drawingml/2006/main" xmlns:r="http://schemas.openxmlformats.org/officeDocument/2006/relationships" xmlns:p="http://schemas.openxmlformats.org/presentationml/2006/main">
+  <p:cSld>
+    <p:bg>
+      <p:bgRef idx="1001">
+        <a:schemeClr val="bg1"/>
+      </p:bgRef>
+    </p:bg>
+    <p:spTree>
+      <p:nvGrpSpPr>
+        <p:cNvPr id="1" name=""/>
+        <p:cNvGrpSpPr/>
+        <p:nvPr/>
+      </p:nvGrpSpPr>
+      <p:grpSpPr>
+        <a:xfrm>
+          <a:off x="0" y="0"/>
+          <a:ext cx="0" cy="0"/>
+          <a:chOff x="0" y="0"/>
+          <a:chExt cx="0" cy="0"/>
+        </a:xfrm>
+      </p:grpSpPr>
+      <p:sp>
+        <p:nvSpPr>
+          <p:cNvPr id="2" name="Header Placeholder 1"/>
+          <p:cNvSpPr>
+            <a:spLocks noGrp="1"/>
+          </p:cNvSpPr>
+          <p:nvPr>
+            <p:ph type="hdr" sz="quarter"/>
+          </p:nvPr>
+        </p:nvSpPr>
+        <p:spPr>
+          <a:xfrm>
+            <a:off x="0" y="0"/>
+            <a:ext cx="2971800" cy="458788"/>
+          </a:xfrm>
+          <a:prstGeom prst="rect">
+            <a:avLst/>
+          </a:prstGeom>
+        </p:spPr>
+        <p:txBody>
+          <a:bodyPr vert="horz" lIns="91440" tIns="45720" rIns="91440" bIns="45720" rtlCol="0"/>
+          <a:lstStyle>
+            <a:lvl1pPr algn="l">
+              <a:defRPr sz="1200"/>
+            </a:lvl1pPr>
+          </a:lstStyle>
+          <a:p>
+            <a:endParaRPr lang="en-US"/>
+          </a:p>
+        </p:txBody>
+      </p:sp>
+      <p:sp>
+        <p:nvSpPr>
+          <p:cNvPr id="3" name="Date Placeholder 2"/>
+          <p:cNvSpPr>
+            <a:spLocks noGrp="1"/>
+          </p:cNvSpPr>
+          <p:nvPr>
+            <p:ph type="dt" idx="1"/>
+          </p:nvPr>
+        </p:nvSpPr>
+        <p:spPr>
+          <a:xfrm>
+            <a:off x="3884613" y="0"/>
+            <a:ext cx="2971800" cy="458788"/>
+          </a:xfrm>
+          <a:prstGeom prst="rect">
+            <a:avLst/>
+          </a:prstGeom>
+        </p:spPr>
+        <p:txBody>
+          <a:bodyPr vert="horz" lIns="91440" tIns="45720" rIns="91440" bIns="45720" rtlCol="0"/>
+          <a:lstStyle>
+            <a:lvl1pPr algn="r">
+              <a:defRPr sz="1200"/>
+            </a:lvl1pPr>
+          </a:lstStyle>
+          <a:p>
+            <a:fld id="{C5550B23-F2F9-6C46-BE63-8055E7940DE8}" type="datetimeFigureOut">
+              <a:rPr lang="en-US" smtClean="0"/>
+              <a:t>1/8/24</a:t>
+            </a:fld>
+            <a:endParaRPr lang="en-US"/>
+          </a:p>
+        </p:txBody>
+      </p:sp>
+      <p:sp>
+        <p:nvSpPr>
+          <p:cNvPr id="4" name="Slide Image Placeholder 3"/>
+          <p:cNvSpPr>
+            <a:spLocks noGrp="1" noRot="1" noChangeAspect="1"/>
+          </p:cNvSpPr>
+          <p:nvPr>
+            <p:ph type="sldImg" idx="2"/>
+          </p:nvPr>
+        </p:nvSpPr>
+        <p:spPr>
+          <a:xfrm>
+            <a:off x="685800" y="1143000"/>
+            <a:ext cx="5486400" cy="3086100"/>
+          </a:xfrm>
+          <a:prstGeom prst="rect">
+            <a:avLst/>
+          </a:prstGeom>
+          <a:noFill/>
+          <a:ln w="12700">
+            <a:solidFill>
+              <a:prstClr val="black"/>
+            </a:solidFill>
+          </a:ln>
+        </p:spPr>
+        <p:txBody>
+          <a:bodyPr vert="horz" lIns="91440" tIns="45720" rIns="91440" bIns="45720" rtlCol="0" anchor="ctr"/>
+          <a:lstStyle/>
+          <a:p>
+            <a:endParaRPr lang="en-US"/>
+          </a:p>
+        </p:txBody>
+      </p:sp>
+      <p:sp>
+        <p:nvSpPr>
+          <p:cNvPr id="5" name="Notes Placeholder 4"/>
+          <p:cNvSpPr>
+            <a:spLocks noGrp="1"/>
+          </p:cNvSpPr>
+          <p:nvPr>
+            <p:ph type="body" sz="quarter" idx="3"/>
+          </p:nvPr>
+        </p:nvSpPr>
+        <p:spPr>
+          <a:xfrm>
+            <a:off x="685800" y="4400550"/>
+            <a:ext cx="5486400" cy="3600450"/>
+          </a:xfrm>
+          <a:prstGeom prst="rect">
+            <a:avLst/>
+          </a:prstGeom>
+        </p:spPr>
+        <p:txBody>
+          <a:bodyPr vert="horz" lIns="91440" tIns="45720" rIns="91440" bIns="45720" rtlCol="0"/>
+          <a:lstStyle/>
+          <a:p>
+            <a:pPr lvl="0"/>
+            <a:r>
+              <a:rPr lang="en-US"/>
+              <a:t>Click to edit Master text styles</a:t>
+            </a:r>
+          </a:p>
+          <a:p>
+            <a:pPr lvl="1"/>
+            <a:r>
+              <a:rPr lang="en-US"/>
+              <a:t>Second level</a:t>
+            </a:r>
+          </a:p>
+          <a:p>
+            <a:pPr lvl="2"/>
+            <a:r>
+              <a:rPr lang="en-US"/>
+              <a:t>Third level</a:t>
+            </a:r>
+          </a:p>
+          <a:p>
+            <a:pPr lvl="3"/>
+            <a:r>
+              <a:rPr lang="en-US"/>
+              <a:t>Fourth level</a:t>
+            </a:r>
+          </a:p>
+          <a:p>
+            <a:pPr lvl="4"/>
+            <a:r>
+              <a:rPr lang="en-US"/>
+              <a:t>Fifth level</a:t>
+            </a:r>
+          </a:p>
+        </p:txBody>
+      </p:sp>
+      <p:sp>
+        <p:nvSpPr>
+          <p:cNvPr id="6" name="Footer Placeholder 5"/>
+          <p:cNvSpPr>
+            <a:spLocks noGrp="1"/>
+          </p:cNvSpPr>
+          <p:nvPr>
+            <p:ph type="ftr" sz="quarter" idx="4"/>
+          </p:nvPr>
+        </p:nvSpPr>
+        <p:spPr>
+          <a:xfrm>
+            <a:off x="0" y="8685213"/>
+            <a:ext cx="2971800" cy="458787"/>
+          </a:xfrm>
+          <a:prstGeom prst="rect">
+            <a:avLst/>
+          </a:prstGeom>
+        </p:spPr>
+        <p:txBody>
+          <a:bodyPr vert="horz" lIns="91440" tIns="45720" rIns="91440" bIns="45720" rtlCol="0" anchor="b"/>
+          <a:lstStyle>
+            <a:lvl1pPr algn="l">
+              <a:defRPr sz="1200"/>
+            </a:lvl1pPr>
+          </a:lstStyle>
+          <a:p>
+            <a:endParaRPr lang="en-US"/>
+          </a:p>
+        </p:txBody>
+      </p:sp>
+      <p:sp>
+        <p:nvSpPr>
+          <p:cNvPr id="7" name="Slide Number Placeholder 6"/>
+          <p:cNvSpPr>
+            <a:spLocks noGrp="1"/>
+          </p:cNvSpPr>
+          <p:nvPr>
+            <p:ph type="sldNum" sz="quarter" idx="5"/>
+          </p:nvPr>
+        </p:nvSpPr>
+        <p:spPr>
+          <a:xfrm>
+            <a:off x="3884613" y="8685213"/>
+            <a:ext cx="2971800" cy="458787"/>
+          </a:xfrm>
+          <a:prstGeom prst="rect">
+            <a:avLst/>
+          </a:prstGeom>
+        </p:spPr>
+        <p:txBody>
+          <a:bodyPr vert="horz" lIns="91440" tIns="45720" rIns="91440" bIns="45720" rtlCol="0" anchor="b"/>
+          <a:lstStyle>
+            <a:lvl1pPr algn="r">
+              <a:defRPr sz="1200"/>
+            </a:lvl1pPr>
+          </a:lstStyle>
+          <a:p>
+            <a:fld id="{770373D1-45C8-934E-8D46-F20484A17D78}" type="slidenum">
+              <a:rPr lang="en-US" smtClean="0"/>
+              <a:t>‹#›</a:t>
+            </a:fld>
+            <a:endParaRPr lang="en-US"/>
+          </a:p>
+        </p:txBody>
+      </p:sp>
+    </p:spTree>
+    <p:extLst>
+      <p:ext uri="{BB962C8B-B14F-4D97-AF65-F5344CB8AC3E}">
+        <p14:creationId xmlns:p14="http://schemas.microsoft.com/office/powerpoint/2010/main" val="1502652201"/>
+      </p:ext>
+    </p:extLst>
+  </p:cSld>
+  <p:clrMap bg1="lt1" tx1="dk1" bg2="lt2" tx2="dk2" accent1="accent1" accent2="accent2" accent3="accent3" accent4="accent4" accent5="accent5" accent6="accent6" hlink="hlink" folHlink="folHlink"/>
+  <p:notesStyle>
+    <a:lvl1pPr marL="0" algn="l" defTabSz="914400" rtl="0" eaLnBrk="1" latinLnBrk="0" hangingPunct="1">
+      <a:defRPr sz="1200" kern="1200">
+        <a:solidFill>
+          <a:schemeClr val="tx1"/>
+        </a:solidFill>
+        <a:latin typeface="+mn-lt"/>
+        <a:ea typeface="+mn-ea"/>
+        <a:cs typeface="+mn-cs"/>
+      </a:defRPr>
+    </a:lvl1pPr>
+    <a:lvl2pPr marL="457200" algn="l" defTabSz="914400" rtl="0" eaLnBrk="1" latinLnBrk="0" hangingPunct="1">
+      <a:defRPr sz="1200" kern="1200">
+        <a:solidFill>
+          <a:schemeClr val="tx1"/>
+        </a:solidFill>
+        <a:latin typeface="+mn-lt"/>
+        <a:ea typeface="+mn-ea"/>
+        <a:cs typeface="+mn-cs"/>
+      </a:defRPr>
+    </a:lvl2pPr>
+    <a:lvl3pPr marL="914400" algn="l" defTabSz="914400" rtl="0" eaLnBrk="1" latinLnBrk="0" hangingPunct="1">
+      <a:defRPr sz="1200" kern="1200">
+        <a:solidFill>
+          <a:schemeClr val="tx1"/>
+        </a:solidFill>
+        <a:latin typeface="+mn-lt"/>
+        <a:ea typeface="+mn-ea"/>
+        <a:cs typeface="+mn-cs"/>
+      </a:defRPr>
+    </a:lvl3pPr>
+    <a:lvl4pPr marL="1371600" algn="l" defTabSz="914400" rtl="0" eaLnBrk="1" latinLnBrk="0" hangingPunct="1">
+      <a:defRPr sz="1200" kern="1200">
+        <a:solidFill>
+          <a:schemeClr val="tx1"/>
+        </a:solidFill>
+        <a:latin typeface="+mn-lt"/>
+        <a:ea typeface="+mn-ea"/>
+        <a:cs typeface="+mn-cs"/>
+      </a:defRPr>
+    </a:lvl4pPr>
+    <a:lvl5pPr marL="1828800" algn="l" defTabSz="914400" rtl="0" eaLnBrk="1" latinLnBrk="0" hangingPunct="1">
+      <a:defRPr sz="1200" kern="1200">
+        <a:solidFill>
+          <a:schemeClr val="tx1"/>
+        </a:solidFill>
+        <a:latin typeface="+mn-lt"/>
+        <a:ea typeface="+mn-ea"/>
+        <a:cs typeface="+mn-cs"/>
+      </a:defRPr>
+    </a:lvl5pPr>
+    <a:lvl6pPr marL="2286000" algn="l" defTabSz="914400" rtl="0" eaLnBrk="1" latinLnBrk="0" hangingPunct="1">
+      <a:defRPr sz="1200" kern="1200">
+        <a:solidFill>
+          <a:schemeClr val="tx1"/>
+        </a:solidFill>
+        <a:latin typeface="+mn-lt"/>
+        <a:ea typeface="+mn-ea"/>
+        <a:cs typeface="+mn-cs"/>
+      </a:defRPr>
+    </a:lvl6pPr>
+    <a:lvl7pPr marL="2743200" algn="l" defTabSz="914400" rtl="0" eaLnBrk="1" latinLnBrk="0" hangingPunct="1">
+      <a:defRPr sz="1200" kern="1200">
+        <a:solidFill>
+          <a:schemeClr val="tx1"/>
+        </a:solidFill>
+        <a:latin typeface="+mn-lt"/>
+        <a:ea typeface="+mn-ea"/>
+        <a:cs typeface="+mn-cs"/>
+      </a:defRPr>
+    </a:lvl7pPr>
+    <a:lvl8pPr marL="3200400" algn="l" defTabSz="914400" rtl="0" eaLnBrk="1" latinLnBrk="0" hangingPunct="1">
+      <a:defRPr sz="1200" kern="1200">
+        <a:solidFill>
+          <a:schemeClr val="tx1"/>
+        </a:solidFill>
+        <a:latin typeface="+mn-lt"/>
+        <a:ea typeface="+mn-ea"/>
+        <a:cs typeface="+mn-cs"/>
+      </a:defRPr>
+    </a:lvl8pPr>
+    <a:lvl9pPr marL="3657600" algn="l" defTabSz="914400" rtl="0" eaLnBrk="1" latinLnBrk="0" hangingPunct="1">
+      <a:defRPr sz="1200" kern="1200">
+        <a:solidFill>
+          <a:schemeClr val="tx1"/>
+        </a:solidFill>
+        <a:latin typeface="+mn-lt"/>
+        <a:ea typeface="+mn-ea"/>
+        <a:cs typeface="+mn-cs"/>
+      </a:defRPr>
+    </a:lvl9pPr>
+  </p:notesStyle>
+</p:notesMaster>
+</file>
+
+<file path=ppt/notesSlides/notesSlide1.xml><?xml version="1.0" encoding="utf-8"?>
+<p:notes xmlns:a="http://schemas.openxmlformats.org/drawingml/2006/main" xmlns:r="http://schemas.openxmlformats.org/officeDocument/2006/relationships" xmlns:p="http://schemas.openxmlformats.org/presentationml/2006/main">
+  <p:cSld>
+    <p:spTree>
+      <p:nvGrpSpPr>
+        <p:cNvPr id="1" name=""/>
+        <p:cNvGrpSpPr/>
+        <p:nvPr/>
+      </p:nvGrpSpPr>
+      <p:grpSpPr>
+        <a:xfrm>
+          <a:off x="0" y="0"/>
+          <a:ext cx="0" cy="0"/>
+          <a:chOff x="0" y="0"/>
+          <a:chExt cx="0" cy="0"/>
+        </a:xfrm>
+      </p:grpSpPr>
+      <p:sp>
+        <p:nvSpPr>
+          <p:cNvPr id="2" name="Slide Image Placeholder 1"/>
+          <p:cNvSpPr>
+            <a:spLocks noGrp="1" noRot="1" noChangeAspect="1"/>
+          </p:cNvSpPr>
+          <p:nvPr>
+            <p:ph type="sldImg"/>
+          </p:nvPr>
+        </p:nvSpPr>
+        <p:spPr/>
+      </p:sp>
+      <p:sp>
+        <p:nvSpPr>
+          <p:cNvPr id="3" name="Notes Placeholder 2"/>
+          <p:cNvSpPr>
+            <a:spLocks noGrp="1"/>
+          </p:cNvSpPr>
+          <p:nvPr>
+            <p:ph type="body" idx="1"/>
+          </p:nvPr>
+        </p:nvSpPr>
+        <p:spPr/>
+        <p:txBody>
+          <a:bodyPr/>
+          <a:lstStyle/>
+          <a:p>
+            <a:endParaRPr lang="en-US" dirty="0"/>
+          </a:p>
+        </p:txBody>
+      </p:sp>
+      <p:sp>
+        <p:nvSpPr>
+          <p:cNvPr id="4" name="Slide Number Placeholder 3"/>
+          <p:cNvSpPr>
+            <a:spLocks noGrp="1"/>
+          </p:cNvSpPr>
+          <p:nvPr>
+            <p:ph type="sldNum" sz="quarter" idx="5"/>
+          </p:nvPr>
+        </p:nvSpPr>
+        <p:spPr/>
+        <p:txBody>
+          <a:bodyPr/>
+          <a:lstStyle/>
+          <a:p>
+            <a:fld id="{770373D1-45C8-934E-8D46-F20484A17D78}" type="slidenum">
+              <a:rPr lang="en-US" smtClean="0"/>
+              <a:t>5</a:t>
+            </a:fld>
+            <a:endParaRPr lang="en-US"/>
+          </a:p>
+        </p:txBody>
+      </p:sp>
+    </p:spTree>
+    <p:extLst>
+      <p:ext uri="{BB962C8B-B14F-4D97-AF65-F5344CB8AC3E}">
+        <p14:creationId xmlns:p14="http://schemas.microsoft.com/office/powerpoint/2010/main" val="2640344903"/>
+      </p:ext>
+    </p:extLst>
+  </p:cSld>
+  <p:clrMapOvr>
+    <a:masterClrMapping/>
+  </p:clrMapOvr>
+</p:notes>
 </file>
 
 <file path=ppt/slideLayouts/slideLayout1.xml><?xml version="1.0" encoding="utf-8"?>
@@ -5896,7 +6332,7 @@
                 <a:effectLst/>
                 <a:latin typeface="Courier New" panose="02070309020205020404" pitchFamily="49" charset="0"/>
                 <a:cs typeface="Courier New" panose="02070309020205020404" pitchFamily="49" charset="0"/>
-                <a:hlinkClick r:id="rId2"/>
+                <a:hlinkClick r:id="rId3"/>
               </a:rPr>
               <a:t>https://kurmasgvsu.github.io/Teaching/Courses/</a:t>
             </a:r>
@@ -5907,7 +6343,7 @@
                 </a:solidFill>
                 <a:latin typeface="Courier New" panose="02070309020205020404" pitchFamily="49" charset="0"/>
                 <a:cs typeface="Courier New" panose="02070309020205020404" pitchFamily="49" charset="0"/>
-                <a:hlinkClick r:id="rId2"/>
+                <a:hlinkClick r:id="rId3"/>
               </a:rPr>
               <a:t>W24</a:t>
             </a:r>
@@ -5919,7 +6355,7 @@
                 <a:effectLst/>
                 <a:latin typeface="Courier New" panose="02070309020205020404" pitchFamily="49" charset="0"/>
                 <a:cs typeface="Courier New" panose="02070309020205020404" pitchFamily="49" charset="0"/>
-                <a:hlinkClick r:id="rId2"/>
+                <a:hlinkClick r:id="rId3"/>
               </a:rPr>
               <a:t>/CIS500/</a:t>
             </a:r>
@@ -6716,6 +7152,18 @@
               <a:t>GitHub tool for easily creating a repo for a new assignment</a:t>
             </a:r>
           </a:p>
+          <a:p>
+            <a:pPr lvl="2"/>
+            <a:r>
+              <a:rPr lang="en-US" sz="2400" dirty="0"/>
+              <a:t>Create a GitHub account if you </a:t>
+            </a:r>
+            <a:r>
+              <a:rPr lang="en-US" sz="2400"/>
+              <a:t>don’t already have one.</a:t>
+            </a:r>
+            <a:endParaRPr lang="en-US" sz="2400" dirty="0"/>
+          </a:p>
         </p:txBody>
       </p:sp>
     </p:spTree>
@@ -7083,6 +7531,37 @@
                                           <p:spTgt spid="3">
                                             <p:txEl>
                                               <p:pRg st="9" end="9"/>
+                                            </p:txEl>
+                                          </p:spTgt>
+                                        </p:tgtEl>
+                                        <p:attrNameLst>
+                                          <p:attrName>style.visibility</p:attrName>
+                                        </p:attrNameLst>
+                                      </p:cBhvr>
+                                      <p:to>
+                                        <p:strVal val="visible"/>
+                                      </p:to>
+                                    </p:set>
+                                  </p:childTnLst>
+                                </p:cTn>
+                              </p:par>
+                              <p:par>
+                                <p:cTn id="29" presetID="1" presetClass="entr" presetSubtype="0" fill="hold" grpId="0" nodeType="withEffect">
+                                  <p:stCondLst>
+                                    <p:cond delay="0"/>
+                                  </p:stCondLst>
+                                  <p:childTnLst>
+                                    <p:set>
+                                      <p:cBhvr>
+                                        <p:cTn id="30" dur="1" fill="hold">
+                                          <p:stCondLst>
+                                            <p:cond delay="0"/>
+                                          </p:stCondLst>
+                                        </p:cTn>
+                                        <p:tgtEl>
+                                          <p:spTgt spid="3">
+                                            <p:txEl>
+                                              <p:pRg st="10" end="10"/>
                                             </p:txEl>
                                           </p:spTgt>
                                         </p:tgtEl>
@@ -8519,4 +8998,299 @@
     </a:ext>
   </a:extLst>
 </a:theme>
+</file>
+
+<file path=ppt/theme/theme2.xml><?xml version="1.0" encoding="utf-8"?>
+<a:theme xmlns:a="http://schemas.openxmlformats.org/drawingml/2006/main" name="Office Theme">
+  <a:themeElements>
+    <a:clrScheme name="Office">
+      <a:dk1>
+        <a:sysClr val="windowText" lastClr="000000"/>
+      </a:dk1>
+      <a:lt1>
+        <a:sysClr val="window" lastClr="FFFFFF"/>
+      </a:lt1>
+      <a:dk2>
+        <a:srgbClr val="44546A"/>
+      </a:dk2>
+      <a:lt2>
+        <a:srgbClr val="E7E6E6"/>
+      </a:lt2>
+      <a:accent1>
+        <a:srgbClr val="4472C4"/>
+      </a:accent1>
+      <a:accent2>
+        <a:srgbClr val="ED7D31"/>
+      </a:accent2>
+      <a:accent3>
+        <a:srgbClr val="A5A5A5"/>
+      </a:accent3>
+      <a:accent4>
+        <a:srgbClr val="FFC000"/>
+      </a:accent4>
+      <a:accent5>
+        <a:srgbClr val="5B9BD5"/>
+      </a:accent5>
+      <a:accent6>
+        <a:srgbClr val="70AD47"/>
+      </a:accent6>
+      <a:hlink>
+        <a:srgbClr val="0563C1"/>
+      </a:hlink>
+      <a:folHlink>
+        <a:srgbClr val="954F72"/>
+      </a:folHlink>
+    </a:clrScheme>
+    <a:fontScheme name="Office">
+      <a:majorFont>
+        <a:latin typeface="Calibri Light" panose="020F0302020204030204"/>
+        <a:ea typeface=""/>
+        <a:cs typeface=""/>
+        <a:font script="Jpan" typeface="游ゴシック Light"/>
+        <a:font script="Hang" typeface="맑은 고딕"/>
+        <a:font script="Hans" typeface="等线 Light"/>
+        <a:font script="Hant" typeface="新細明體"/>
+        <a:font script="Arab" typeface="Times New Roman"/>
+        <a:font script="Hebr" typeface="Times New Roman"/>
+        <a:font script="Thai" typeface="Angsana New"/>
+        <a:font script="Ethi" typeface="Nyala"/>
+        <a:font script="Beng" typeface="Vrinda"/>
+        <a:font script="Gujr" typeface="Shruti"/>
+        <a:font script="Khmr" typeface="MoolBoran"/>
+        <a:font script="Knda" typeface="Tunga"/>
+        <a:font script="Guru" typeface="Raavi"/>
+        <a:font script="Cans" typeface="Euphemia"/>
+        <a:font script="Cher" typeface="Plantagenet Cherokee"/>
+        <a:font script="Yiii" typeface="Microsoft Yi Baiti"/>
+        <a:font script="Tibt" typeface="Microsoft Himalaya"/>
+        <a:font script="Thaa" typeface="MV Boli"/>
+        <a:font script="Deva" typeface="Mangal"/>
+        <a:font script="Telu" typeface="Gautami"/>
+        <a:font script="Taml" typeface="Latha"/>
+        <a:font script="Syrc" typeface="Estrangelo Edessa"/>
+        <a:font script="Orya" typeface="Kalinga"/>
+        <a:font script="Mlym" typeface="Kartika"/>
+        <a:font script="Laoo" typeface="DokChampa"/>
+        <a:font script="Sinh" typeface="Iskoola Pota"/>
+        <a:font script="Mong" typeface="Mongolian Baiti"/>
+        <a:font script="Viet" typeface="Times New Roman"/>
+        <a:font script="Uigh" typeface="Microsoft Uighur"/>
+        <a:font script="Geor" typeface="Sylfaen"/>
+        <a:font script="Armn" typeface="Arial"/>
+        <a:font script="Bugi" typeface="Leelawadee UI"/>
+        <a:font script="Bopo" typeface="Microsoft JhengHei"/>
+        <a:font script="Java" typeface="Javanese Text"/>
+        <a:font script="Lisu" typeface="Segoe UI"/>
+        <a:font script="Mymr" typeface="Myanmar Text"/>
+        <a:font script="Nkoo" typeface="Ebrima"/>
+        <a:font script="Olck" typeface="Nirmala UI"/>
+        <a:font script="Osma" typeface="Ebrima"/>
+        <a:font script="Phag" typeface="Phagspa"/>
+        <a:font script="Syrn" typeface="Estrangelo Edessa"/>
+        <a:font script="Syrj" typeface="Estrangelo Edessa"/>
+        <a:font script="Syre" typeface="Estrangelo Edessa"/>
+        <a:font script="Sora" typeface="Nirmala UI"/>
+        <a:font script="Tale" typeface="Microsoft Tai Le"/>
+        <a:font script="Talu" typeface="Microsoft New Tai Lue"/>
+        <a:font script="Tfng" typeface="Ebrima"/>
+      </a:majorFont>
+      <a:minorFont>
+        <a:latin typeface="Calibri" panose="020F0502020204030204"/>
+        <a:ea typeface=""/>
+        <a:cs typeface=""/>
+        <a:font script="Jpan" typeface="游ゴシック"/>
+        <a:font script="Hang" typeface="맑은 고딕"/>
+        <a:font script="Hans" typeface="等线"/>
+        <a:font script="Hant" typeface="新細明體"/>
+        <a:font script="Arab" typeface="Arial"/>
+        <a:font script="Hebr" typeface="Arial"/>
+        <a:font script="Thai" typeface="Cordia New"/>
+        <a:font script="Ethi" typeface="Nyala"/>
+        <a:font script="Beng" typeface="Vrinda"/>
+        <a:font script="Gujr" typeface="Shruti"/>
+        <a:font script="Khmr" typeface="DaunPenh"/>
+        <a:font script="Knda" typeface="Tunga"/>
+        <a:font script="Guru" typeface="Raavi"/>
+        <a:font script="Cans" typeface="Euphemia"/>
+        <a:font script="Cher" typeface="Plantagenet Cherokee"/>
+        <a:font script="Yiii" typeface="Microsoft Yi Baiti"/>
+        <a:font script="Tibt" typeface="Microsoft Himalaya"/>
+        <a:font script="Thaa" typeface="MV Boli"/>
+        <a:font script="Deva" typeface="Mangal"/>
+        <a:font script="Telu" typeface="Gautami"/>
+        <a:font script="Taml" typeface="Latha"/>
+        <a:font script="Syrc" typeface="Estrangelo Edessa"/>
+        <a:font script="Orya" typeface="Kalinga"/>
+        <a:font script="Mlym" typeface="Kartika"/>
+        <a:font script="Laoo" typeface="DokChampa"/>
+        <a:font script="Sinh" typeface="Iskoola Pota"/>
+        <a:font script="Mong" typeface="Mongolian Baiti"/>
+        <a:font script="Viet" typeface="Arial"/>
+        <a:font script="Uigh" typeface="Microsoft Uighur"/>
+        <a:font script="Geor" typeface="Sylfaen"/>
+        <a:font script="Armn" typeface="Arial"/>
+        <a:font script="Bugi" typeface="Leelawadee UI"/>
+        <a:font script="Bopo" typeface="Microsoft JhengHei"/>
+        <a:font script="Java" typeface="Javanese Text"/>
+        <a:font script="Lisu" typeface="Segoe UI"/>
+        <a:font script="Mymr" typeface="Myanmar Text"/>
+        <a:font script="Nkoo" typeface="Ebrima"/>
+        <a:font script="Olck" typeface="Nirmala UI"/>
+        <a:font script="Osma" typeface="Ebrima"/>
+        <a:font script="Phag" typeface="Phagspa"/>
+        <a:font script="Syrn" typeface="Estrangelo Edessa"/>
+        <a:font script="Syrj" typeface="Estrangelo Edessa"/>
+        <a:font script="Syre" typeface="Estrangelo Edessa"/>
+        <a:font script="Sora" typeface="Nirmala UI"/>
+        <a:font script="Tale" typeface="Microsoft Tai Le"/>
+        <a:font script="Talu" typeface="Microsoft New Tai Lue"/>
+        <a:font script="Tfng" typeface="Ebrima"/>
+      </a:minorFont>
+    </a:fontScheme>
+    <a:fmtScheme name="Office">
+      <a:fillStyleLst>
+        <a:solidFill>
+          <a:schemeClr val="phClr"/>
+        </a:solidFill>
+        <a:gradFill rotWithShape="1">
+          <a:gsLst>
+            <a:gs pos="0">
+              <a:schemeClr val="phClr">
+                <a:lumMod val="110000"/>
+                <a:satMod val="105000"/>
+                <a:tint val="67000"/>
+              </a:schemeClr>
+            </a:gs>
+            <a:gs pos="50000">
+              <a:schemeClr val="phClr">
+                <a:lumMod val="105000"/>
+                <a:satMod val="103000"/>
+                <a:tint val="73000"/>
+              </a:schemeClr>
+            </a:gs>
+            <a:gs pos="100000">
+              <a:schemeClr val="phClr">
+                <a:lumMod val="105000"/>
+                <a:satMod val="109000"/>
+                <a:tint val="81000"/>
+              </a:schemeClr>
+            </a:gs>
+          </a:gsLst>
+          <a:lin ang="5400000" scaled="0"/>
+        </a:gradFill>
+        <a:gradFill rotWithShape="1">
+          <a:gsLst>
+            <a:gs pos="0">
+              <a:schemeClr val="phClr">
+                <a:satMod val="103000"/>
+                <a:lumMod val="102000"/>
+                <a:tint val="94000"/>
+              </a:schemeClr>
+            </a:gs>
+            <a:gs pos="50000">
+              <a:schemeClr val="phClr">
+                <a:satMod val="110000"/>
+                <a:lumMod val="100000"/>
+                <a:shade val="100000"/>
+              </a:schemeClr>
+            </a:gs>
+            <a:gs pos="100000">
+              <a:schemeClr val="phClr">
+                <a:lumMod val="99000"/>
+                <a:satMod val="120000"/>
+                <a:shade val="78000"/>
+              </a:schemeClr>
+            </a:gs>
+          </a:gsLst>
+          <a:lin ang="5400000" scaled="0"/>
+        </a:gradFill>
+      </a:fillStyleLst>
+      <a:lnStyleLst>
+        <a:ln w="6350" cap="flat" cmpd="sng" algn="ctr">
+          <a:solidFill>
+            <a:schemeClr val="phClr"/>
+          </a:solidFill>
+          <a:prstDash val="solid"/>
+          <a:miter lim="800000"/>
+        </a:ln>
+        <a:ln w="12700" cap="flat" cmpd="sng" algn="ctr">
+          <a:solidFill>
+            <a:schemeClr val="phClr"/>
+          </a:solidFill>
+          <a:prstDash val="solid"/>
+          <a:miter lim="800000"/>
+        </a:ln>
+        <a:ln w="19050" cap="flat" cmpd="sng" algn="ctr">
+          <a:solidFill>
+            <a:schemeClr val="phClr"/>
+          </a:solidFill>
+          <a:prstDash val="solid"/>
+          <a:miter lim="800000"/>
+        </a:ln>
+      </a:lnStyleLst>
+      <a:effectStyleLst>
+        <a:effectStyle>
+          <a:effectLst/>
+        </a:effectStyle>
+        <a:effectStyle>
+          <a:effectLst/>
+        </a:effectStyle>
+        <a:effectStyle>
+          <a:effectLst>
+            <a:outerShdw blurRad="57150" dist="19050" dir="5400000" algn="ctr" rotWithShape="0">
+              <a:srgbClr val="000000">
+                <a:alpha val="63000"/>
+              </a:srgbClr>
+            </a:outerShdw>
+          </a:effectLst>
+        </a:effectStyle>
+      </a:effectStyleLst>
+      <a:bgFillStyleLst>
+        <a:solidFill>
+          <a:schemeClr val="phClr"/>
+        </a:solidFill>
+        <a:solidFill>
+          <a:schemeClr val="phClr">
+            <a:tint val="95000"/>
+            <a:satMod val="170000"/>
+          </a:schemeClr>
+        </a:solidFill>
+        <a:gradFill rotWithShape="1">
+          <a:gsLst>
+            <a:gs pos="0">
+              <a:schemeClr val="phClr">
+                <a:tint val="93000"/>
+                <a:satMod val="150000"/>
+                <a:shade val="98000"/>
+                <a:lumMod val="102000"/>
+              </a:schemeClr>
+            </a:gs>
+            <a:gs pos="50000">
+              <a:schemeClr val="phClr">
+                <a:tint val="98000"/>
+                <a:satMod val="130000"/>
+                <a:shade val="90000"/>
+                <a:lumMod val="103000"/>
+              </a:schemeClr>
+            </a:gs>
+            <a:gs pos="100000">
+              <a:schemeClr val="phClr">
+                <a:shade val="63000"/>
+                <a:satMod val="120000"/>
+              </a:schemeClr>
+            </a:gs>
+          </a:gsLst>
+          <a:lin ang="5400000" scaled="0"/>
+        </a:gradFill>
+      </a:bgFillStyleLst>
+    </a:fmtScheme>
+  </a:themeElements>
+  <a:objectDefaults/>
+  <a:extraClrSchemeLst/>
+  <a:extLst>
+    <a:ext uri="{05A4C25C-085E-4340-85A3-A5531E510DB2}">
+      <thm15:themeFamily xmlns:thm15="http://schemas.microsoft.com/office/thememl/2012/main" name="Office Theme" id="{62F939B6-93AF-4DB8-9C6B-D6C7DFDC589F}" vid="{4A3C46E8-61CC-4603-A589-7422A47A8E4A}"/>
+    </a:ext>
+  </a:extLst>
+</a:theme>
 </file>